--- a/CalendarioAgo25/Presentaciones/2_DireccionamientoIPv4_alumnos.pptx
+++ b/CalendarioAgo25/Presentaciones/2_DireccionamientoIPv4_alumnos.pptx
@@ -129,6 +129,59 @@
 </p:presentation>
 </file>
 
+<file path=ppt/revisionInfo.xml><?xml version="1.0" encoding="utf-8"?>
+<p1510:revInfo xmlns:a="http://schemas.openxmlformats.org/drawingml/2006/main" xmlns:r="http://schemas.openxmlformats.org/officeDocument/2006/relationships" xmlns:p1510="http://schemas.microsoft.com/office/powerpoint/2015/10/main">
+  <p1510:revLst>
+    <p1510:client id="{930AF730-4BAF-43CE-9DA1-D4CD6BE3DF85}" v="1" dt="2025-09-23T21:21:24.484"/>
+  </p1510:revLst>
+</p1510:revInfo>
+</file>
+
+<file path=ppt/changesInfos/changesInfo1.xml><?xml version="1.0" encoding="utf-8"?>
+<pc:chgInfo xmlns:a="http://schemas.openxmlformats.org/drawingml/2006/main" xmlns:r="http://schemas.openxmlformats.org/officeDocument/2006/relationships" xmlns:ac="http://schemas.microsoft.com/office/drawing/2013/main/command" xmlns:pc="http://schemas.microsoft.com/office/powerpoint/2013/main/command">
+  <pc:docChgLst>
+    <pc:chgData name="Lizethe Pérez Fuertes" userId="4ae9ef87-2a7d-42f8-8dfa-0a501a9e2ff4" providerId="ADAL" clId="{FDDD45CB-1330-4033-A842-3D2746AFF7C7}"/>
+    <pc:docChg chg="custSel modSld">
+      <pc:chgData name="Lizethe Pérez Fuertes" userId="4ae9ef87-2a7d-42f8-8dfa-0a501a9e2ff4" providerId="ADAL" clId="{FDDD45CB-1330-4033-A842-3D2746AFF7C7}" dt="2025-09-23T21:22:08.274" v="6" actId="120"/>
+      <pc:docMkLst>
+        <pc:docMk/>
+      </pc:docMkLst>
+      <pc:sldChg chg="delSp modSp mod delAnim">
+        <pc:chgData name="Lizethe Pérez Fuertes" userId="4ae9ef87-2a7d-42f8-8dfa-0a501a9e2ff4" providerId="ADAL" clId="{FDDD45CB-1330-4033-A842-3D2746AFF7C7}" dt="2025-09-23T21:22:08.274" v="6" actId="120"/>
+        <pc:sldMkLst>
+          <pc:docMk/>
+          <pc:sldMk cId="1515272197" sldId="304"/>
+        </pc:sldMkLst>
+        <pc:spChg chg="mod">
+          <ac:chgData name="Lizethe Pérez Fuertes" userId="4ae9ef87-2a7d-42f8-8dfa-0a501a9e2ff4" providerId="ADAL" clId="{FDDD45CB-1330-4033-A842-3D2746AFF7C7}" dt="2025-09-23T21:22:08.274" v="6" actId="120"/>
+          <ac:spMkLst>
+            <pc:docMk/>
+            <pc:sldMk cId="1515272197" sldId="304"/>
+            <ac:spMk id="2" creationId="{00000000-0000-0000-0000-000000000000}"/>
+          </ac:spMkLst>
+        </pc:spChg>
+        <pc:spChg chg="del">
+          <ac:chgData name="Lizethe Pérez Fuertes" userId="4ae9ef87-2a7d-42f8-8dfa-0a501a9e2ff4" providerId="ADAL" clId="{FDDD45CB-1330-4033-A842-3D2746AFF7C7}" dt="2025-09-23T21:20:55.208" v="0" actId="478"/>
+          <ac:spMkLst>
+            <pc:docMk/>
+            <pc:sldMk cId="1515272197" sldId="304"/>
+            <ac:spMk id="3" creationId="{00000000-0000-0000-0000-000000000000}"/>
+          </ac:spMkLst>
+        </pc:spChg>
+        <pc:graphicFrameChg chg="mod">
+          <ac:chgData name="Lizethe Pérez Fuertes" userId="4ae9ef87-2a7d-42f8-8dfa-0a501a9e2ff4" providerId="ADAL" clId="{FDDD45CB-1330-4033-A842-3D2746AFF7C7}" dt="2025-09-23T21:21:24.482" v="3"/>
+          <ac:graphicFrameMkLst>
+            <pc:docMk/>
+            <pc:sldMk cId="1515272197" sldId="304"/>
+            <ac:graphicFrameMk id="4" creationId="{E8EB963D-A592-29D6-881E-30FF03114551}"/>
+          </ac:graphicFrameMkLst>
+        </pc:graphicFrameChg>
+      </pc:sldChg>
+    </pc:docChg>
+  </pc:docChgLst>
+</pc:chgInfo>
+</file>
+
 <file path=ppt/notesMasters/notesMaster1.xml><?xml version="1.0" encoding="utf-8"?>
 <p:notesMaster xmlns:a="http://schemas.openxmlformats.org/drawingml/2006/main" xmlns:r="http://schemas.openxmlformats.org/officeDocument/2006/relationships" xmlns:p="http://schemas.openxmlformats.org/presentationml/2006/main">
   <p:cSld>
@@ -211,7 +264,7 @@
           <a:p>
             <a:fld id="{2D445F07-8756-451B-A938-0248325FC7BB}" type="datetimeFigureOut">
               <a:rPr lang="es-MX" smtClean="0"/>
-              <a:t>11/02/2024</a:t>
+              <a:t>23/09/2025</a:t>
             </a:fld>
             <a:endParaRPr lang="es-MX" dirty="0"/>
           </a:p>
@@ -370,7 +423,7 @@
           <a:p>
             <a:fld id="{5993AEC0-242E-4FA7-9D3C-51E1036AC3CB}" type="slidenum">
               <a:rPr lang="es-MX" smtClean="0"/>
-              <a:t>‹#›</a:t>
+              <a:t>‹Nº›</a:t>
             </a:fld>
             <a:endParaRPr lang="es-MX" dirty="0"/>
           </a:p>
@@ -859,7 +912,7 @@
           <a:p>
             <a:fld id="{5E75A0DC-66C6-4CEC-A5EB-F8C97CEC3796}" type="datetimeFigureOut">
               <a:rPr lang="es-MX" smtClean="0"/>
-              <a:t>11/02/2024</a:t>
+              <a:t>23/09/2025</a:t>
             </a:fld>
             <a:endParaRPr lang="es-MX" dirty="0"/>
           </a:p>
@@ -901,7 +954,7 @@
           <a:p>
             <a:fld id="{C077EE1E-7A06-4E7F-9AFB-189FC69B7B0C}" type="slidenum">
               <a:rPr lang="es-MX" smtClean="0"/>
-              <a:t>‹#›</a:t>
+              <a:t>‹Nº›</a:t>
             </a:fld>
             <a:endParaRPr lang="es-MX" dirty="0"/>
           </a:p>
@@ -1029,7 +1082,7 @@
           <a:p>
             <a:fld id="{5E75A0DC-66C6-4CEC-A5EB-F8C97CEC3796}" type="datetimeFigureOut">
               <a:rPr lang="es-MX" smtClean="0"/>
-              <a:t>11/02/2024</a:t>
+              <a:t>23/09/2025</a:t>
             </a:fld>
             <a:endParaRPr lang="es-MX" dirty="0"/>
           </a:p>
@@ -1071,7 +1124,7 @@
           <a:p>
             <a:fld id="{C077EE1E-7A06-4E7F-9AFB-189FC69B7B0C}" type="slidenum">
               <a:rPr lang="es-MX" smtClean="0"/>
-              <a:t>‹#›</a:t>
+              <a:t>‹Nº›</a:t>
             </a:fld>
             <a:endParaRPr lang="es-MX" dirty="0"/>
           </a:p>
@@ -1209,7 +1262,7 @@
           <a:p>
             <a:fld id="{5E75A0DC-66C6-4CEC-A5EB-F8C97CEC3796}" type="datetimeFigureOut">
               <a:rPr lang="es-MX" smtClean="0"/>
-              <a:t>11/02/2024</a:t>
+              <a:t>23/09/2025</a:t>
             </a:fld>
             <a:endParaRPr lang="es-MX" dirty="0"/>
           </a:p>
@@ -1251,7 +1304,7 @@
           <a:p>
             <a:fld id="{C077EE1E-7A06-4E7F-9AFB-189FC69B7B0C}" type="slidenum">
               <a:rPr lang="es-MX" smtClean="0"/>
-              <a:t>‹#›</a:t>
+              <a:t>‹Nº›</a:t>
             </a:fld>
             <a:endParaRPr lang="es-MX" dirty="0"/>
           </a:p>
@@ -1379,7 +1432,7 @@
           <a:p>
             <a:fld id="{5E75A0DC-66C6-4CEC-A5EB-F8C97CEC3796}" type="datetimeFigureOut">
               <a:rPr lang="es-MX" smtClean="0"/>
-              <a:t>11/02/2024</a:t>
+              <a:t>23/09/2025</a:t>
             </a:fld>
             <a:endParaRPr lang="es-MX" dirty="0"/>
           </a:p>
@@ -1421,7 +1474,7 @@
           <a:p>
             <a:fld id="{C077EE1E-7A06-4E7F-9AFB-189FC69B7B0C}" type="slidenum">
               <a:rPr lang="es-MX" smtClean="0"/>
-              <a:t>‹#›</a:t>
+              <a:t>‹Nº›</a:t>
             </a:fld>
             <a:endParaRPr lang="es-MX" dirty="0"/>
           </a:p>
@@ -1625,7 +1678,7 @@
           <a:p>
             <a:fld id="{5E75A0DC-66C6-4CEC-A5EB-F8C97CEC3796}" type="datetimeFigureOut">
               <a:rPr lang="es-MX" smtClean="0"/>
-              <a:t>11/02/2024</a:t>
+              <a:t>23/09/2025</a:t>
             </a:fld>
             <a:endParaRPr lang="es-MX" dirty="0"/>
           </a:p>
@@ -1667,7 +1720,7 @@
           <a:p>
             <a:fld id="{C077EE1E-7A06-4E7F-9AFB-189FC69B7B0C}" type="slidenum">
               <a:rPr lang="es-MX" smtClean="0"/>
-              <a:t>‹#›</a:t>
+              <a:t>‹Nº›</a:t>
             </a:fld>
             <a:endParaRPr lang="es-MX" dirty="0"/>
           </a:p>
@@ -1913,7 +1966,7 @@
           <a:p>
             <a:fld id="{5E75A0DC-66C6-4CEC-A5EB-F8C97CEC3796}" type="datetimeFigureOut">
               <a:rPr lang="es-MX" smtClean="0"/>
-              <a:t>11/02/2024</a:t>
+              <a:t>23/09/2025</a:t>
             </a:fld>
             <a:endParaRPr lang="es-MX" dirty="0"/>
           </a:p>
@@ -1955,7 +2008,7 @@
           <a:p>
             <a:fld id="{C077EE1E-7A06-4E7F-9AFB-189FC69B7B0C}" type="slidenum">
               <a:rPr lang="es-MX" smtClean="0"/>
-              <a:t>‹#›</a:t>
+              <a:t>‹Nº›</a:t>
             </a:fld>
             <a:endParaRPr lang="es-MX" dirty="0"/>
           </a:p>
@@ -2335,7 +2388,7 @@
           <a:p>
             <a:fld id="{5E75A0DC-66C6-4CEC-A5EB-F8C97CEC3796}" type="datetimeFigureOut">
               <a:rPr lang="es-MX" smtClean="0"/>
-              <a:t>11/02/2024</a:t>
+              <a:t>23/09/2025</a:t>
             </a:fld>
             <a:endParaRPr lang="es-MX" dirty="0"/>
           </a:p>
@@ -2377,7 +2430,7 @@
           <a:p>
             <a:fld id="{C077EE1E-7A06-4E7F-9AFB-189FC69B7B0C}" type="slidenum">
               <a:rPr lang="es-MX" smtClean="0"/>
-              <a:t>‹#›</a:t>
+              <a:t>‹Nº›</a:t>
             </a:fld>
             <a:endParaRPr lang="es-MX" dirty="0"/>
           </a:p>
@@ -2453,7 +2506,7 @@
           <a:p>
             <a:fld id="{5E75A0DC-66C6-4CEC-A5EB-F8C97CEC3796}" type="datetimeFigureOut">
               <a:rPr lang="es-MX" smtClean="0"/>
-              <a:t>11/02/2024</a:t>
+              <a:t>23/09/2025</a:t>
             </a:fld>
             <a:endParaRPr lang="es-MX" dirty="0"/>
           </a:p>
@@ -2495,7 +2548,7 @@
           <a:p>
             <a:fld id="{C077EE1E-7A06-4E7F-9AFB-189FC69B7B0C}" type="slidenum">
               <a:rPr lang="es-MX" smtClean="0"/>
-              <a:t>‹#›</a:t>
+              <a:t>‹Nº›</a:t>
             </a:fld>
             <a:endParaRPr lang="es-MX" dirty="0"/>
           </a:p>
@@ -2548,7 +2601,7 @@
           <a:p>
             <a:fld id="{5E75A0DC-66C6-4CEC-A5EB-F8C97CEC3796}" type="datetimeFigureOut">
               <a:rPr lang="es-MX" smtClean="0"/>
-              <a:t>11/02/2024</a:t>
+              <a:t>23/09/2025</a:t>
             </a:fld>
             <a:endParaRPr lang="es-MX" dirty="0"/>
           </a:p>
@@ -2590,7 +2643,7 @@
           <a:p>
             <a:fld id="{C077EE1E-7A06-4E7F-9AFB-189FC69B7B0C}" type="slidenum">
               <a:rPr lang="es-MX" smtClean="0"/>
-              <a:t>‹#›</a:t>
+              <a:t>‹Nº›</a:t>
             </a:fld>
             <a:endParaRPr lang="es-MX" dirty="0"/>
           </a:p>
@@ -2825,7 +2878,7 @@
           <a:p>
             <a:fld id="{5E75A0DC-66C6-4CEC-A5EB-F8C97CEC3796}" type="datetimeFigureOut">
               <a:rPr lang="es-MX" smtClean="0"/>
-              <a:t>11/02/2024</a:t>
+              <a:t>23/09/2025</a:t>
             </a:fld>
             <a:endParaRPr lang="es-MX" dirty="0"/>
           </a:p>
@@ -2867,7 +2920,7 @@
           <a:p>
             <a:fld id="{C077EE1E-7A06-4E7F-9AFB-189FC69B7B0C}" type="slidenum">
               <a:rPr lang="es-MX" smtClean="0"/>
-              <a:t>‹#›</a:t>
+              <a:t>‹Nº›</a:t>
             </a:fld>
             <a:endParaRPr lang="es-MX" dirty="0"/>
           </a:p>
@@ -3078,7 +3131,7 @@
           <a:p>
             <a:fld id="{5E75A0DC-66C6-4CEC-A5EB-F8C97CEC3796}" type="datetimeFigureOut">
               <a:rPr lang="es-MX" smtClean="0"/>
-              <a:t>11/02/2024</a:t>
+              <a:t>23/09/2025</a:t>
             </a:fld>
             <a:endParaRPr lang="es-MX" dirty="0"/>
           </a:p>
@@ -3120,7 +3173,7 @@
           <a:p>
             <a:fld id="{C077EE1E-7A06-4E7F-9AFB-189FC69B7B0C}" type="slidenum">
               <a:rPr lang="es-MX" smtClean="0"/>
-              <a:t>‹#›</a:t>
+              <a:t>‹Nº›</a:t>
             </a:fld>
             <a:endParaRPr lang="es-MX" dirty="0"/>
           </a:p>
@@ -3291,7 +3344,7 @@
           <a:p>
             <a:fld id="{5E75A0DC-66C6-4CEC-A5EB-F8C97CEC3796}" type="datetimeFigureOut">
               <a:rPr lang="es-MX" smtClean="0"/>
-              <a:t>11/02/2024</a:t>
+              <a:t>23/09/2025</a:t>
             </a:fld>
             <a:endParaRPr lang="es-MX" dirty="0"/>
           </a:p>
@@ -3369,7 +3422,7 @@
           <a:p>
             <a:fld id="{C077EE1E-7A06-4E7F-9AFB-189FC69B7B0C}" type="slidenum">
               <a:rPr lang="es-MX" smtClean="0"/>
-              <a:t>‹#›</a:t>
+              <a:t>‹Nº›</a:t>
             </a:fld>
             <a:endParaRPr lang="es-MX" dirty="0"/>
           </a:p>
@@ -7919,8 +7972,8 @@
         </p:nvSpPr>
         <p:spPr>
           <a:xfrm>
-            <a:off x="179512" y="65764"/>
-            <a:ext cx="8229600" cy="682622"/>
+            <a:off x="611559" y="476672"/>
+            <a:ext cx="7806377" cy="682622"/>
           </a:xfrm>
           <a:prstGeom prst="rect">
             <a:avLst/>
@@ -7932,7 +7985,7 @@
           </a:bodyPr>
           <a:lstStyle/>
           <a:p>
-            <a:pPr marL="1018540">
+            <a:pPr marL="1018540" algn="l">
               <a:lnSpc>
                 <a:spcPct val="100000"/>
               </a:lnSpc>
@@ -7985,212 +8038,6 @@
               </a:rPr>
               <a:t>ed</a:t>
             </a:r>
-          </a:p>
-        </p:txBody>
-      </p:sp>
-      <p:sp>
-        <p:nvSpPr>
-          <p:cNvPr id="3" name="object 3"/>
-          <p:cNvSpPr txBox="1"/>
-          <p:nvPr/>
-        </p:nvSpPr>
-        <p:spPr>
-          <a:xfrm>
-            <a:off x="755576" y="1124744"/>
-            <a:ext cx="7653536" cy="369332"/>
-          </a:xfrm>
-          <a:prstGeom prst="rect">
-            <a:avLst/>
-          </a:prstGeom>
-        </p:spPr>
-        <p:txBody>
-          <a:bodyPr vert="horz" wrap="square" lIns="0" tIns="0" rIns="0" bIns="0" rtlCol="0">
-            <a:spAutoFit/>
-          </a:bodyPr>
-          <a:lstStyle/>
-          <a:p>
-            <a:pPr>
-              <a:tabLst>
-                <a:tab pos="4553585" algn="l"/>
-              </a:tabLst>
-            </a:pPr>
-            <a:r>
-              <a:rPr sz="2400" b="1" dirty="0">
-                <a:solidFill>
-                  <a:srgbClr val="0070C0"/>
-                </a:solidFill>
-                <a:latin typeface="Arial" panose="020B0604020202020204" pitchFamily="34" charset="0"/>
-                <a:cs typeface="Arial" panose="020B0604020202020204" pitchFamily="34" charset="0"/>
-              </a:rPr>
-              <a:t>1</a:t>
-            </a:r>
-            <a:r>
-              <a:rPr sz="2400" b="1" spc="5" dirty="0">
-                <a:solidFill>
-                  <a:srgbClr val="0070C0"/>
-                </a:solidFill>
-                <a:latin typeface="Arial" panose="020B0604020202020204" pitchFamily="34" charset="0"/>
-                <a:cs typeface="Arial" panose="020B0604020202020204" pitchFamily="34" charset="0"/>
-              </a:rPr>
-              <a:t>0</a:t>
-            </a:r>
-            <a:r>
-              <a:rPr sz="2400" b="1" dirty="0">
-                <a:solidFill>
-                  <a:srgbClr val="0070C0"/>
-                </a:solidFill>
-                <a:latin typeface="Arial" panose="020B0604020202020204" pitchFamily="34" charset="0"/>
-                <a:cs typeface="Arial" panose="020B0604020202020204" pitchFamily="34" charset="0"/>
-              </a:rPr>
-              <a:t>.</a:t>
-            </a:r>
-            <a:r>
-              <a:rPr sz="2400" b="1" spc="-20" dirty="0">
-                <a:solidFill>
-                  <a:srgbClr val="0070C0"/>
-                </a:solidFill>
-                <a:latin typeface="Arial" panose="020B0604020202020204" pitchFamily="34" charset="0"/>
-                <a:cs typeface="Arial" panose="020B0604020202020204" pitchFamily="34" charset="0"/>
-              </a:rPr>
-              <a:t> </a:t>
-            </a:r>
-            <a:r>
-              <a:rPr sz="2400" b="1" dirty="0">
-                <a:solidFill>
-                  <a:srgbClr val="0070C0"/>
-                </a:solidFill>
-                <a:latin typeface="Arial" panose="020B0604020202020204" pitchFamily="34" charset="0"/>
-                <a:cs typeface="Arial" panose="020B0604020202020204" pitchFamily="34" charset="0"/>
-              </a:rPr>
-              <a:t>2</a:t>
-            </a:r>
-            <a:r>
-              <a:rPr sz="2400" b="1" spc="5" dirty="0">
-                <a:solidFill>
-                  <a:srgbClr val="0070C0"/>
-                </a:solidFill>
-                <a:latin typeface="Arial" panose="020B0604020202020204" pitchFamily="34" charset="0"/>
-                <a:cs typeface="Arial" panose="020B0604020202020204" pitchFamily="34" charset="0"/>
-              </a:rPr>
-              <a:t>5</a:t>
-            </a:r>
-            <a:r>
-              <a:rPr sz="2400" b="1" dirty="0">
-                <a:solidFill>
-                  <a:srgbClr val="0070C0"/>
-                </a:solidFill>
-                <a:latin typeface="Arial" panose="020B0604020202020204" pitchFamily="34" charset="0"/>
-                <a:cs typeface="Arial" panose="020B0604020202020204" pitchFamily="34" charset="0"/>
-              </a:rPr>
-              <a:t>.</a:t>
-            </a:r>
-            <a:r>
-              <a:rPr sz="2400" b="1" spc="-20" dirty="0">
-                <a:solidFill>
-                  <a:srgbClr val="0070C0"/>
-                </a:solidFill>
-                <a:latin typeface="Arial" panose="020B0604020202020204" pitchFamily="34" charset="0"/>
-                <a:cs typeface="Arial" panose="020B0604020202020204" pitchFamily="34" charset="0"/>
-              </a:rPr>
-              <a:t> </a:t>
-            </a:r>
-            <a:r>
-              <a:rPr sz="2400" b="1" dirty="0">
-                <a:solidFill>
-                  <a:srgbClr val="0070C0"/>
-                </a:solidFill>
-                <a:latin typeface="Arial" panose="020B0604020202020204" pitchFamily="34" charset="0"/>
-                <a:cs typeface="Arial" panose="020B0604020202020204" pitchFamily="34" charset="0"/>
-              </a:rPr>
-              <a:t>9</a:t>
-            </a:r>
-            <a:r>
-              <a:rPr sz="2400" b="1" spc="5" dirty="0">
-                <a:solidFill>
-                  <a:srgbClr val="0070C0"/>
-                </a:solidFill>
-                <a:latin typeface="Arial" panose="020B0604020202020204" pitchFamily="34" charset="0"/>
-                <a:cs typeface="Arial" panose="020B0604020202020204" pitchFamily="34" charset="0"/>
-              </a:rPr>
-              <a:t>6</a:t>
-            </a:r>
-            <a:r>
-              <a:rPr sz="2400" b="1" dirty="0">
-                <a:solidFill>
-                  <a:srgbClr val="0070C0"/>
-                </a:solidFill>
-                <a:latin typeface="Arial" panose="020B0604020202020204" pitchFamily="34" charset="0"/>
-                <a:cs typeface="Arial" panose="020B0604020202020204" pitchFamily="34" charset="0"/>
-              </a:rPr>
-              <a:t>.</a:t>
-            </a:r>
-            <a:r>
-              <a:rPr sz="2400" b="1" spc="-20" dirty="0">
-                <a:solidFill>
-                  <a:srgbClr val="0070C0"/>
-                </a:solidFill>
-                <a:latin typeface="Arial" panose="020B0604020202020204" pitchFamily="34" charset="0"/>
-                <a:cs typeface="Arial" panose="020B0604020202020204" pitchFamily="34" charset="0"/>
-              </a:rPr>
-              <a:t> </a:t>
-            </a:r>
-            <a:r>
-              <a:rPr lang="es-ES" sz="2400" b="1" spc="-20" dirty="0">
-                <a:solidFill>
-                  <a:srgbClr val="0070C0"/>
-                </a:solidFill>
-                <a:latin typeface="Arial" panose="020B0604020202020204" pitchFamily="34" charset="0"/>
-                <a:cs typeface="Arial" panose="020B0604020202020204" pitchFamily="34" charset="0"/>
-              </a:rPr>
-              <a:t>2</a:t>
-            </a:r>
-            <a:r>
-              <a:rPr lang="es-ES" sz="2400" b="1" dirty="0">
-                <a:solidFill>
-                  <a:srgbClr val="0070C0"/>
-                </a:solidFill>
-                <a:latin typeface="Arial" panose="020B0604020202020204" pitchFamily="34" charset="0"/>
-                <a:cs typeface="Arial" panose="020B0604020202020204" pitchFamily="34" charset="0"/>
-              </a:rPr>
-              <a:t>  </a:t>
-            </a:r>
-            <a:r>
-              <a:rPr sz="2400" b="1" dirty="0">
-                <a:solidFill>
-                  <a:srgbClr val="0070C0"/>
-                </a:solidFill>
-                <a:latin typeface="Arial" panose="020B0604020202020204" pitchFamily="34" charset="0"/>
-                <a:cs typeface="Arial" panose="020B0604020202020204" pitchFamily="34" charset="0"/>
-              </a:rPr>
-              <a:t>/</a:t>
-            </a:r>
-            <a:r>
-              <a:rPr sz="2400" b="1" spc="-15" dirty="0">
-                <a:solidFill>
-                  <a:srgbClr val="0070C0"/>
-                </a:solidFill>
-                <a:latin typeface="Arial" panose="020B0604020202020204" pitchFamily="34" charset="0"/>
-                <a:cs typeface="Arial" panose="020B0604020202020204" pitchFamily="34" charset="0"/>
-              </a:rPr>
-              <a:t> </a:t>
-            </a:r>
-            <a:r>
-              <a:rPr sz="2400" b="1" dirty="0">
-                <a:solidFill>
-                  <a:srgbClr val="0070C0"/>
-                </a:solidFill>
-                <a:latin typeface="Arial" panose="020B0604020202020204" pitchFamily="34" charset="0"/>
-                <a:cs typeface="Arial" panose="020B0604020202020204" pitchFamily="34" charset="0"/>
-              </a:rPr>
-              <a:t>22</a:t>
-            </a:r>
-            <a:endParaRPr sz="2400" dirty="0">
-              <a:solidFill>
-                <a:srgbClr val="0070C0"/>
-              </a:solidFill>
-              <a:latin typeface="Arial" panose="020B0604020202020204" pitchFamily="34" charset="0"/>
-              <a:cs typeface="Arial" panose="020B0604020202020204" pitchFamily="34" charset="0"/>
-            </a:endParaRPr>
           </a:p>
         </p:txBody>
       </p:sp>
@@ -8209,13 +8056,13 @@
           <p:nvPr>
             <p:extLst>
               <p:ext uri="{D42A27DB-BD31-4B8C-83A1-F6EECF244321}">
-                <p14:modId xmlns:p14="http://schemas.microsoft.com/office/powerpoint/2010/main" val="1968556928"/>
+                <p14:modId xmlns:p14="http://schemas.microsoft.com/office/powerpoint/2010/main" val="1320906218"/>
               </p:ext>
             </p:extLst>
           </p:nvPr>
         </p:nvGraphicFramePr>
         <p:xfrm>
-          <a:off x="704256" y="1988840"/>
+          <a:off x="719572" y="1700808"/>
           <a:ext cx="7704856" cy="3888433"/>
         </p:xfrm>
         <a:graphic>
@@ -8467,16 +8314,7 @@
                         <a:rPr lang="es-MX" sz="1600" dirty="0">
                           <a:effectLst/>
                         </a:rPr>
-                        <a:t>10.25.96.2 /22</a:t>
-                      </a:r>
-                    </a:p>
-                    <a:p>
-                      <a:pPr algn="ctr"/>
-                      <a:r>
-                        <a:rPr lang="en-US" sz="1200" dirty="0">
-                          <a:effectLst/>
-                        </a:rPr>
-                        <a:t> </a:t>
+                        <a:t>182.25.1.194 /27</a:t>
                       </a:r>
                       <a:endParaRPr lang="es-MX" sz="1200" dirty="0">
                         <a:effectLst/>
@@ -8618,7 +8456,7 @@
                           <a:ea typeface="+mn-ea"/>
                           <a:cs typeface="+mn-cs"/>
                         </a:rPr>
-                        <a:t>8.0.0.0 /9</a:t>
+                        <a:t>8.129.2.3 /9</a:t>
                       </a:r>
                       <a:r>
                         <a:rPr lang="en-US" sz="1200" dirty="0">
@@ -8756,84 +8594,6 @@
   <p:clrMapOvr>
     <a:masterClrMapping/>
   </p:clrMapOvr>
-  <p:timing>
-    <p:tnLst>
-      <p:par>
-        <p:cTn id="1" dur="indefinite" restart="never" nodeType="tmRoot">
-          <p:childTnLst>
-            <p:seq concurrent="1" nextAc="seek">
-              <p:cTn id="2" dur="indefinite" nodeType="mainSeq">
-                <p:childTnLst>
-                  <p:par>
-                    <p:cTn id="3" fill="hold">
-                      <p:stCondLst>
-                        <p:cond delay="indefinite"/>
-                      </p:stCondLst>
-                      <p:childTnLst>
-                        <p:par>
-                          <p:cTn id="4" fill="hold">
-                            <p:stCondLst>
-                              <p:cond delay="0"/>
-                            </p:stCondLst>
-                            <p:childTnLst>
-                              <p:par>
-                                <p:cTn id="5" presetID="1" presetClass="entr" presetSubtype="0" fill="hold" grpId="0" nodeType="clickEffect">
-                                  <p:stCondLst>
-                                    <p:cond delay="0"/>
-                                  </p:stCondLst>
-                                  <p:childTnLst>
-                                    <p:set>
-                                      <p:cBhvr>
-                                        <p:cTn id="6" dur="1" fill="hold">
-                                          <p:stCondLst>
-                                            <p:cond delay="0"/>
-                                          </p:stCondLst>
-                                        </p:cTn>
-                                        <p:tgtEl>
-                                          <p:spTgt spid="3"/>
-                                        </p:tgtEl>
-                                        <p:attrNameLst>
-                                          <p:attrName>style.visibility</p:attrName>
-                                        </p:attrNameLst>
-                                      </p:cBhvr>
-                                      <p:to>
-                                        <p:strVal val="visible"/>
-                                      </p:to>
-                                    </p:set>
-                                  </p:childTnLst>
-                                </p:cTn>
-                              </p:par>
-                            </p:childTnLst>
-                          </p:cTn>
-                        </p:par>
-                      </p:childTnLst>
-                    </p:cTn>
-                  </p:par>
-                </p:childTnLst>
-              </p:cTn>
-              <p:prevCondLst>
-                <p:cond evt="onPrev" delay="0">
-                  <p:tgtEl>
-                    <p:sldTgt/>
-                  </p:tgtEl>
-                </p:cond>
-              </p:prevCondLst>
-              <p:nextCondLst>
-                <p:cond evt="onNext" delay="0">
-                  <p:tgtEl>
-                    <p:sldTgt/>
-                  </p:tgtEl>
-                </p:cond>
-              </p:nextCondLst>
-            </p:seq>
-          </p:childTnLst>
-        </p:cTn>
-      </p:par>
-    </p:tnLst>
-    <p:bldLst>
-      <p:bldP spid="3" grpId="0"/>
-    </p:bldLst>
-  </p:timing>
 </p:sld>
 </file>
 
